--- a/Fliegender_Ball/fliegender_Ball.pptx
+++ b/Fliegender_Ball/fliegender_Ball.pptx
@@ -201,7 +201,7 @@
           <a:p>
             <a:fld id="{DD7A25D8-F173-4133-85F8-CB962D678EB5}" type="datetimeFigureOut">
               <a:rPr lang="de-DE" smtClean="0"/>
-              <a:t>09.01.2019</a:t>
+              <a:t>06.12.2019</a:t>
             </a:fld>
             <a:endParaRPr lang="de-DE"/>
           </a:p>
@@ -265,38 +265,37 @@
           <a:p>
             <a:pPr lvl="0"/>
             <a:r>
-              <a:rPr lang="de-DE" smtClean="0"/>
+              <a:rPr lang="de-DE"/>
               <a:t>Formatvorlagen des Textmasters bearbeiten</a:t>
             </a:r>
           </a:p>
           <a:p>
             <a:pPr lvl="1"/>
             <a:r>
-              <a:rPr lang="de-DE" smtClean="0"/>
+              <a:rPr lang="de-DE"/>
               <a:t>Zweite Ebene</a:t>
             </a:r>
           </a:p>
           <a:p>
             <a:pPr lvl="2"/>
             <a:r>
-              <a:rPr lang="de-DE" smtClean="0"/>
+              <a:rPr lang="de-DE"/>
               <a:t>Dritte Ebene</a:t>
             </a:r>
           </a:p>
           <a:p>
             <a:pPr lvl="3"/>
             <a:r>
-              <a:rPr lang="de-DE" smtClean="0"/>
+              <a:rPr lang="de-DE"/>
               <a:t>Vierte Ebene</a:t>
             </a:r>
           </a:p>
           <a:p>
             <a:pPr lvl="4"/>
             <a:r>
-              <a:rPr lang="de-DE" smtClean="0"/>
+              <a:rPr lang="de-DE"/>
               <a:t>Fünfte Ebene</a:t>
             </a:r>
-            <a:endParaRPr lang="de-DE"/>
           </a:p>
         </p:txBody>
       </p:sp>
@@ -511,7 +510,7 @@
           </a:lstStyle>
           <a:p>
             <a:r>
-              <a:rPr lang="de-DE" smtClean="0"/>
+              <a:rPr lang="de-DE"/>
               <a:t>Titelmasterformat durch Klicken bearbeiten</a:t>
             </a:r>
             <a:endParaRPr lang="en-US" dirty="0"/>
@@ -576,7 +575,7 @@
           </a:lstStyle>
           <a:p>
             <a:r>
-              <a:rPr lang="de-DE" smtClean="0"/>
+              <a:rPr lang="de-DE"/>
               <a:t>Formatvorlage des Untertitelmasters durch Klicken bearbeiten</a:t>
             </a:r>
             <a:endParaRPr lang="en-US" dirty="0"/>
@@ -600,7 +599,7 @@
           <a:p>
             <a:fld id="{FC9269F9-6F79-4414-A84E-D81C6C443C37}" type="datetimeFigureOut">
               <a:rPr lang="de-DE" smtClean="0"/>
-              <a:t>09.01.2019</a:t>
+              <a:t>06.12.2019</a:t>
             </a:fld>
             <a:endParaRPr lang="de-DE"/>
           </a:p>
@@ -658,13 +657,6 @@
   <p:clrMapOvr>
     <a:masterClrMapping/>
   </p:clrMapOvr>
-  <p:timing>
-    <p:tnLst>
-      <p:par>
-        <p:cTn id="1" dur="indefinite" restart="never" nodeType="tmRoot"/>
-      </p:par>
-    </p:tnLst>
-  </p:timing>
 </p:sldLayout>
 </file>
 
@@ -807,7 +799,7 @@
           </a:lstStyle>
           <a:p>
             <a:r>
-              <a:rPr lang="de-DE" dirty="0" smtClean="0"/>
+              <a:rPr lang="de-DE" dirty="0"/>
               <a:t>Titelmasterformat durch Klicken bearbeiten</a:t>
             </a:r>
             <a:endParaRPr lang="en-US" dirty="0"/>
@@ -1021,10 +1013,9 @@
           <a:p>
             <a:pPr lvl="0"/>
             <a:r>
-              <a:rPr lang="de-DE" dirty="0" smtClean="0"/>
+              <a:rPr lang="de-DE" dirty="0"/>
               <a:t>Aufgabentext</a:t>
             </a:r>
-            <a:endParaRPr lang="de-DE" dirty="0"/>
           </a:p>
         </p:txBody>
       </p:sp>
@@ -1051,10 +1042,9 @@
           <a:lstStyle/>
           <a:p>
             <a:r>
-              <a:rPr lang="de-DE" b="1" dirty="0" smtClean="0"/>
+              <a:rPr lang="de-DE" b="1" dirty="0"/>
               <a:t>Challenge</a:t>
             </a:r>
-            <a:endParaRPr lang="de-DE" b="1" dirty="0"/>
           </a:p>
         </p:txBody>
       </p:sp>
@@ -1091,10 +1081,9 @@
           <a:p>
             <a:pPr lvl="0"/>
             <a:r>
-              <a:rPr lang="de-DE" dirty="0" smtClean="0"/>
+              <a:rPr lang="de-DE" dirty="0"/>
               <a:t>Schwierigkeitsgrad</a:t>
             </a:r>
-            <a:endParaRPr lang="de-DE" dirty="0"/>
           </a:p>
         </p:txBody>
       </p:sp>
@@ -1131,7 +1120,7 @@
           <a:p>
             <a:pPr lvl="0"/>
             <a:r>
-              <a:rPr lang="de-DE" sz="3200" dirty="0" smtClean="0"/>
+              <a:rPr lang="de-DE" sz="3200" dirty="0"/>
               <a:t>N</a:t>
             </a:r>
             <a:endParaRPr lang="de-DE" dirty="0"/>
@@ -1249,6 +1238,42 @@
           </a:prstGeom>
         </p:spPr>
       </p:pic>
+      <p:pic>
+        <p:nvPicPr>
+          <p:cNvPr id="27" name="Grafik 26">
+            <a:extLst>
+              <a:ext uri="{FF2B5EF4-FFF2-40B4-BE49-F238E27FC236}">
+                <a16:creationId xmlns:a16="http://schemas.microsoft.com/office/drawing/2014/main" id="{BEEFA43F-6A29-46D3-8690-B32ACC180D21}"/>
+              </a:ext>
+            </a:extLst>
+          </p:cNvPr>
+          <p:cNvPicPr>
+            <a:picLocks noChangeAspect="1"/>
+          </p:cNvPicPr>
+          <p:nvPr userDrawn="1"/>
+        </p:nvPicPr>
+        <p:blipFill>
+          <a:blip r:embed="rId4" cstate="print">
+            <a:extLst>
+              <a:ext uri="{28A0092B-C50C-407E-A947-70E740481C1C}">
+                <a14:useLocalDpi xmlns:a14="http://schemas.microsoft.com/office/drawing/2010/main" val="0"/>
+              </a:ext>
+            </a:extLst>
+          </a:blip>
+          <a:stretch>
+            <a:fillRect/>
+          </a:stretch>
+        </p:blipFill>
+        <p:spPr>
+          <a:xfrm>
+            <a:off x="2074069" y="9099550"/>
+            <a:ext cx="381000" cy="571500"/>
+          </a:xfrm>
+          <a:prstGeom prst="rect">
+            <a:avLst/>
+          </a:prstGeom>
+        </p:spPr>
+      </p:pic>
     </p:spTree>
     <p:extLst>
       <p:ext uri="{BB962C8B-B14F-4D97-AF65-F5344CB8AC3E}">
@@ -1259,13 +1284,6 @@
   <p:clrMapOvr>
     <a:masterClrMapping/>
   </p:clrMapOvr>
-  <p:timing>
-    <p:tnLst>
-      <p:par>
-        <p:cTn id="1" dur="indefinite" restart="never" nodeType="tmRoot"/>
-      </p:par>
-    </p:tnLst>
-  </p:timing>
 </p:sldLayout>
 </file>
 
@@ -1408,7 +1426,7 @@
           </a:lstStyle>
           <a:p>
             <a:r>
-              <a:rPr lang="de-DE" dirty="0" smtClean="0"/>
+              <a:rPr lang="de-DE" dirty="0"/>
               <a:t>Titelmasterformat durch Klicken bearbeiten</a:t>
             </a:r>
             <a:endParaRPr lang="en-US" dirty="0"/>
@@ -1668,13 +1686,6 @@
   <p:clrMapOvr>
     <a:masterClrMapping/>
   </p:clrMapOvr>
-  <p:timing>
-    <p:tnLst>
-      <p:par>
-        <p:cTn id="1" dur="indefinite" restart="never" nodeType="tmRoot"/>
-      </p:par>
-    </p:tnLst>
-  </p:timing>
 </p:sldLayout>
 </file>
 
@@ -1724,10 +1735,9 @@
           </a:lstStyle>
           <a:p>
             <a:r>
-              <a:rPr lang="de-DE" dirty="0" smtClean="0"/>
+              <a:rPr lang="de-DE" dirty="0"/>
               <a:t>Aufgabe</a:t>
             </a:r>
-            <a:endParaRPr lang="de-DE" dirty="0"/>
           </a:p>
         </p:txBody>
       </p:sp>
@@ -1748,7 +1758,7 @@
           <a:p>
             <a:fld id="{FC9269F9-6F79-4414-A84E-D81C6C443C37}" type="datetimeFigureOut">
               <a:rPr lang="de-DE" smtClean="0"/>
-              <a:t>09.01.2019</a:t>
+              <a:t>06.12.2019</a:t>
             </a:fld>
             <a:endParaRPr lang="de-DE"/>
           </a:p>
@@ -1800,14 +1810,11 @@
           <a:lstStyle/>
           <a:p>
             <a:r>
-              <a:rPr lang="de-DE" sz="3600" b="1" dirty="0" smtClean="0">
+              <a:rPr lang="de-DE" sz="3600" b="1" dirty="0">
                 <a:latin typeface="+mn-lt"/>
               </a:rPr>
               <a:t>Lösung</a:t>
             </a:r>
-            <a:endParaRPr lang="de-DE" sz="3600" b="1" dirty="0">
-              <a:latin typeface="+mn-lt"/>
-            </a:endParaRPr>
           </a:p>
         </p:txBody>
       </p:sp>
@@ -1870,10 +1877,9 @@
           <a:lstStyle/>
           <a:p>
             <a:r>
-              <a:rPr lang="de-DE" sz="1200" dirty="0" smtClean="0"/>
+              <a:rPr lang="de-DE" sz="1200" dirty="0"/>
               <a:t>Verwendete Befehlsgruppen</a:t>
             </a:r>
-            <a:endParaRPr lang="de-DE" sz="1200" dirty="0"/>
           </a:p>
         </p:txBody>
       </p:sp>
@@ -1960,10 +1966,9 @@
           <a:lstStyle/>
           <a:p>
             <a:r>
-              <a:rPr lang="de-DE" sz="1600" b="1" dirty="0" smtClean="0"/>
+              <a:rPr lang="de-DE" sz="1600" b="1" dirty="0"/>
               <a:t>Code</a:t>
             </a:r>
-            <a:endParaRPr lang="de-DE" sz="1600" b="1" dirty="0"/>
           </a:p>
         </p:txBody>
       </p:sp>
@@ -1999,38 +2004,37 @@
           <a:p>
             <a:pPr lvl="0"/>
             <a:r>
-              <a:rPr lang="de-DE" dirty="0" smtClean="0"/>
+              <a:rPr lang="de-DE" dirty="0"/>
               <a:t>Formatvorlagen des Textmasters bearbeiten</a:t>
             </a:r>
           </a:p>
           <a:p>
             <a:pPr lvl="1"/>
             <a:r>
-              <a:rPr lang="de-DE" dirty="0" smtClean="0"/>
+              <a:rPr lang="de-DE" dirty="0"/>
               <a:t>Zweite Ebene</a:t>
             </a:r>
           </a:p>
           <a:p>
             <a:pPr lvl="2"/>
             <a:r>
-              <a:rPr lang="de-DE" dirty="0" smtClean="0"/>
+              <a:rPr lang="de-DE" dirty="0"/>
               <a:t>Dritte Ebene</a:t>
             </a:r>
           </a:p>
           <a:p>
             <a:pPr lvl="3"/>
             <a:r>
-              <a:rPr lang="de-DE" dirty="0" smtClean="0"/>
+              <a:rPr lang="de-DE" dirty="0"/>
               <a:t>Vierte Ebene</a:t>
             </a:r>
           </a:p>
           <a:p>
             <a:pPr lvl="4"/>
             <a:r>
-              <a:rPr lang="de-DE" dirty="0" smtClean="0"/>
+              <a:rPr lang="de-DE" dirty="0"/>
               <a:t>Fünfte Ebene</a:t>
             </a:r>
-            <a:endParaRPr lang="de-DE" dirty="0"/>
           </a:p>
         </p:txBody>
       </p:sp>
@@ -2106,12 +2110,12 @@
           <a:p>
             <a:pPr algn="ctr"/>
             <a:r>
-              <a:rPr lang="de-DE" sz="1100" dirty="0" smtClean="0">
+              <a:rPr lang="de-DE" sz="1100" dirty="0">
                 <a:hlinkClick r:id="rId2"/>
               </a:rPr>
               <a:t>https://www.htw-dresden.de/kiss-mint</a:t>
             </a:r>
-            <a:endParaRPr lang="de-DE" sz="1100" dirty="0" smtClean="0"/>
+            <a:endParaRPr lang="de-DE" sz="1100" dirty="0"/>
           </a:p>
         </p:txBody>
       </p:sp>
@@ -2125,13 +2129,6 @@
   <p:clrMapOvr>
     <a:masterClrMapping/>
   </p:clrMapOvr>
-  <p:timing>
-    <p:tnLst>
-      <p:par>
-        <p:cTn id="1" dur="indefinite" restart="never" nodeType="tmRoot"/>
-      </p:par>
-    </p:tnLst>
-  </p:timing>
 </p:sldLayout>
 </file>
 
@@ -2179,10 +2176,9 @@
           </a:lstStyle>
           <a:p>
             <a:r>
-              <a:rPr lang="de-DE" dirty="0" smtClean="0"/>
+              <a:rPr lang="de-DE" dirty="0"/>
               <a:t>Titelmasterformat durch Klicken bearbeiten</a:t>
             </a:r>
-            <a:endParaRPr lang="de-DE" dirty="0"/>
           </a:p>
         </p:txBody>
       </p:sp>
@@ -2203,7 +2199,7 @@
           <a:p>
             <a:fld id="{FC9269F9-6F79-4414-A84E-D81C6C443C37}" type="datetimeFigureOut">
               <a:rPr lang="de-DE" smtClean="0"/>
-              <a:t>09.01.2019</a:t>
+              <a:t>06.12.2019</a:t>
             </a:fld>
             <a:endParaRPr lang="de-DE"/>
           </a:p>
@@ -2261,7 +2257,7 @@
           <a:p>
             <a:pPr lvl="0"/>
             <a:r>
-              <a:rPr lang="de-DE" b="1" dirty="0" smtClean="0"/>
+              <a:rPr lang="de-DE" b="1" dirty="0"/>
               <a:t>Rubrik</a:t>
             </a:r>
             <a:endParaRPr lang="de-DE" dirty="0"/>
@@ -2316,10 +2312,9 @@
           <a:p>
             <a:pPr lvl="0"/>
             <a:r>
-              <a:rPr lang="de-DE" dirty="0" smtClean="0"/>
+              <a:rPr lang="de-DE" dirty="0"/>
               <a:t>Formatvorlagen des Textmasters bearbeiten</a:t>
             </a:r>
-            <a:endParaRPr lang="de-DE" dirty="0"/>
           </a:p>
         </p:txBody>
       </p:sp>
@@ -2347,12 +2342,12 @@
           <a:p>
             <a:pPr algn="ctr"/>
             <a:r>
-              <a:rPr lang="de-DE" sz="1100" dirty="0" smtClean="0">
+              <a:rPr lang="de-DE" sz="1100" dirty="0">
                 <a:hlinkClick r:id="rId2"/>
               </a:rPr>
               <a:t>https://www.htw-dresden.de/kiss-mint</a:t>
             </a:r>
-            <a:endParaRPr lang="de-DE" sz="1100" dirty="0" smtClean="0"/>
+            <a:endParaRPr lang="de-DE" sz="1100" dirty="0"/>
           </a:p>
         </p:txBody>
       </p:sp>
@@ -2366,13 +2361,6 @@
   <p:clrMapOvr>
     <a:masterClrMapping/>
   </p:clrMapOvr>
-  <p:timing>
-    <p:tnLst>
-      <p:par>
-        <p:cTn id="1" dur="indefinite" restart="never" nodeType="tmRoot"/>
-      </p:par>
-    </p:tnLst>
-  </p:timing>
 </p:sldLayout>
 </file>
 
@@ -2660,34 +2648,34 @@
           <a:p>
             <a:pPr algn="ctr"/>
             <a:r>
-              <a:rPr lang="de-DE" b="1" dirty="0" smtClean="0"/>
+              <a:rPr lang="de-DE" b="1" dirty="0"/>
               <a:t>Veröffentlicht</a:t>
             </a:r>
             <a:r>
-              <a:rPr lang="de-DE" b="1" baseline="0" dirty="0" smtClean="0"/>
+              <a:rPr lang="de-DE" b="1" baseline="0" dirty="0"/>
               <a:t> unter CC BY SA</a:t>
             </a:r>
           </a:p>
           <a:p>
             <a:pPr algn="ctr"/>
-            <a:endParaRPr lang="de-DE" b="0" baseline="0" dirty="0" smtClean="0"/>
+            <a:endParaRPr lang="de-DE" b="0" baseline="0" dirty="0"/>
           </a:p>
           <a:p>
             <a:pPr algn="ctr"/>
             <a:r>
-              <a:rPr lang="de-DE" b="0" dirty="0" smtClean="0"/>
+              <a:rPr lang="de-DE" b="0" dirty="0"/>
               <a:t>Dieses Werk ist unter einer Creative </a:t>
             </a:r>
             <a:r>
-              <a:rPr lang="de-DE" b="0" dirty="0" err="1" smtClean="0"/>
+              <a:rPr lang="de-DE" b="0" dirty="0" err="1"/>
               <a:t>Commons</a:t>
             </a:r>
             <a:r>
-              <a:rPr lang="de-DE" b="0" dirty="0" smtClean="0"/>
+              <a:rPr lang="de-DE" b="0" dirty="0"/>
               <a:t> Lizenz vom Typ Namensnennung - Weitergabe unter gleichen Bedingungen 4.0 International zugänglich. Um eine Kopie dieser Lizenz einzusehen, konsultieren </a:t>
             </a:r>
             <a:r>
-              <a:rPr lang="de-DE" b="0" dirty="0" smtClean="0">
+              <a:rPr lang="de-DE" b="0" dirty="0">
                 <a:solidFill>
                   <a:schemeClr val="bg1"/>
                 </a:solidFill>
@@ -2695,18 +2683,17 @@
               <a:t>Sie http://creativecommons.org/licenses/by-sa/4.0/ oder </a:t>
             </a:r>
             <a:r>
-              <a:rPr lang="de-DE" b="0" dirty="0" smtClean="0"/>
+              <a:rPr lang="de-DE" b="0" dirty="0"/>
               <a:t>wenden Sie sich brieflich an Creative </a:t>
             </a:r>
             <a:r>
-              <a:rPr lang="de-DE" b="0" dirty="0" err="1" smtClean="0"/>
+              <a:rPr lang="de-DE" b="0" dirty="0" err="1"/>
               <a:t>Commons</a:t>
             </a:r>
             <a:r>
-              <a:rPr lang="de-DE" b="0" dirty="0" smtClean="0"/>
+              <a:rPr lang="de-DE" b="0" dirty="0"/>
               <a:t>, Postfach 1866, Mountain View, California, 94042, USA.</a:t>
             </a:r>
-            <a:endParaRPr lang="de-DE" b="0" dirty="0"/>
           </a:p>
         </p:txBody>
       </p:sp>
@@ -2865,38 +2852,37 @@
           <a:p>
             <a:pPr lvl="0"/>
             <a:r>
-              <a:rPr lang="de-DE" dirty="0" smtClean="0"/>
+              <a:rPr lang="de-DE" dirty="0"/>
               <a:t>Formatvorlagen des Textmasters bearbeiten</a:t>
             </a:r>
           </a:p>
           <a:p>
             <a:pPr lvl="1"/>
             <a:r>
-              <a:rPr lang="de-DE" dirty="0" smtClean="0"/>
+              <a:rPr lang="de-DE" dirty="0"/>
               <a:t>Zweite Ebene</a:t>
             </a:r>
           </a:p>
           <a:p>
             <a:pPr lvl="2"/>
             <a:r>
-              <a:rPr lang="de-DE" dirty="0" smtClean="0"/>
+              <a:rPr lang="de-DE" dirty="0"/>
               <a:t>Dritte Ebene</a:t>
             </a:r>
           </a:p>
           <a:p>
             <a:pPr lvl="3"/>
             <a:r>
-              <a:rPr lang="de-DE" dirty="0" smtClean="0"/>
+              <a:rPr lang="de-DE" dirty="0"/>
               <a:t>Vierte Ebene</a:t>
             </a:r>
           </a:p>
           <a:p>
             <a:pPr lvl="4"/>
             <a:r>
-              <a:rPr lang="de-DE" dirty="0" smtClean="0"/>
+              <a:rPr lang="de-DE" dirty="0"/>
               <a:t>Fünfte Ebene</a:t>
             </a:r>
-            <a:endParaRPr lang="de-DE" dirty="0"/>
           </a:p>
         </p:txBody>
       </p:sp>
@@ -2929,6 +2915,42 @@
           </a:prstGeom>
         </p:spPr>
       </p:pic>
+      <p:pic>
+        <p:nvPicPr>
+          <p:cNvPr id="15" name="Grafik 14">
+            <a:extLst>
+              <a:ext uri="{FF2B5EF4-FFF2-40B4-BE49-F238E27FC236}">
+                <a16:creationId xmlns:a16="http://schemas.microsoft.com/office/drawing/2014/main" id="{B6FA7BB0-861A-4096-B589-F58BE15B1D82}"/>
+              </a:ext>
+            </a:extLst>
+          </p:cNvPr>
+          <p:cNvPicPr>
+            <a:picLocks noChangeAspect="1"/>
+          </p:cNvPicPr>
+          <p:nvPr userDrawn="1"/>
+        </p:nvPicPr>
+        <p:blipFill>
+          <a:blip r:embed="rId7" cstate="print">
+            <a:extLst>
+              <a:ext uri="{28A0092B-C50C-407E-A947-70E740481C1C}">
+                <a14:useLocalDpi xmlns:a14="http://schemas.microsoft.com/office/drawing/2010/main" val="0"/>
+              </a:ext>
+            </a:extLst>
+          </a:blip>
+          <a:stretch>
+            <a:fillRect/>
+          </a:stretch>
+        </p:blipFill>
+        <p:spPr>
+          <a:xfrm>
+            <a:off x="2074069" y="9099550"/>
+            <a:ext cx="381000" cy="571500"/>
+          </a:xfrm>
+          <a:prstGeom prst="rect">
+            <a:avLst/>
+          </a:prstGeom>
+        </p:spPr>
+      </p:pic>
     </p:spTree>
     <p:extLst>
       <p:ext uri="{BB962C8B-B14F-4D97-AF65-F5344CB8AC3E}">
@@ -2939,13 +2961,6 @@
   <p:clrMapOvr>
     <a:masterClrMapping/>
   </p:clrMapOvr>
-  <p:timing>
-    <p:tnLst>
-      <p:par>
-        <p:cTn id="1" dur="indefinite" restart="never" nodeType="tmRoot"/>
-      </p:par>
-    </p:tnLst>
-  </p:timing>
 </p:sldLayout>
 </file>
 
@@ -2993,10 +3008,9 @@
           </a:lstStyle>
           <a:p>
             <a:r>
-              <a:rPr lang="de-DE" dirty="0" smtClean="0"/>
+              <a:rPr lang="de-DE" dirty="0"/>
               <a:t>Titelmasterformat durch Klicken bearbeiten</a:t>
             </a:r>
-            <a:endParaRPr lang="de-DE" dirty="0"/>
           </a:p>
         </p:txBody>
       </p:sp>
@@ -3017,7 +3031,7 @@
           <a:p>
             <a:fld id="{FC9269F9-6F79-4414-A84E-D81C6C443C37}" type="datetimeFigureOut">
               <a:rPr lang="de-DE" smtClean="0"/>
-              <a:t>09.01.2019</a:t>
+              <a:t>06.12.2019</a:t>
             </a:fld>
             <a:endParaRPr lang="de-DE"/>
           </a:p>
@@ -3094,7 +3108,7 @@
           <a:p>
             <a:pPr lvl="0"/>
             <a:r>
-              <a:rPr lang="de-DE" b="1" dirty="0" smtClean="0"/>
+              <a:rPr lang="de-DE" b="1" dirty="0"/>
               <a:t>Rubrik</a:t>
             </a:r>
             <a:endParaRPr lang="de-DE" dirty="0"/>
@@ -3153,10 +3167,9 @@
           <a:p>
             <a:pPr lvl="0"/>
             <a:r>
-              <a:rPr lang="de-DE" dirty="0" smtClean="0"/>
+              <a:rPr lang="de-DE" dirty="0"/>
               <a:t>Formatvorlagen des Textmasters bearbeiten</a:t>
             </a:r>
-            <a:endParaRPr lang="de-DE" dirty="0"/>
           </a:p>
         </p:txBody>
       </p:sp>
@@ -3188,10 +3201,9 @@
           <a:p>
             <a:pPr lvl="0"/>
             <a:r>
-              <a:rPr lang="de-DE" dirty="0" smtClean="0"/>
+              <a:rPr lang="de-DE" dirty="0"/>
               <a:t>Legende</a:t>
             </a:r>
-            <a:endParaRPr lang="de-DE" dirty="0"/>
           </a:p>
         </p:txBody>
       </p:sp>
@@ -3205,13 +3217,6 @@
   <p:clrMapOvr>
     <a:masterClrMapping/>
   </p:clrMapOvr>
-  <p:timing>
-    <p:tnLst>
-      <p:par>
-        <p:cTn id="1" dur="indefinite" restart="never" nodeType="tmRoot"/>
-      </p:par>
-    </p:tnLst>
-  </p:timing>
 </p:sldLayout>
 </file>
 
@@ -3249,7 +3254,7 @@
           <a:p>
             <a:fld id="{FC9269F9-6F79-4414-A84E-D81C6C443C37}" type="datetimeFigureOut">
               <a:rPr lang="de-DE" smtClean="0"/>
-              <a:t>09.01.2019</a:t>
+              <a:t>06.12.2019</a:t>
             </a:fld>
             <a:endParaRPr lang="de-DE"/>
           </a:p>
@@ -3307,13 +3312,6 @@
   <p:clrMapOvr>
     <a:masterClrMapping/>
   </p:clrMapOvr>
-  <p:timing>
-    <p:tnLst>
-      <p:par>
-        <p:cTn id="1" dur="indefinite" restart="never" nodeType="tmRoot"/>
-      </p:par>
-    </p:tnLst>
-  </p:timing>
 </p:sldLayout>
 </file>
 
@@ -3365,7 +3363,7 @@
           <a:lstStyle/>
           <a:p>
             <a:r>
-              <a:rPr lang="de-DE" smtClean="0"/>
+              <a:rPr lang="de-DE"/>
               <a:t>Titelmasterformat durch Klicken bearbeiten</a:t>
             </a:r>
             <a:endParaRPr lang="en-US" dirty="0"/>
@@ -3399,35 +3397,35 @@
           <a:p>
             <a:pPr lvl="0"/>
             <a:r>
-              <a:rPr lang="de-DE" smtClean="0"/>
+              <a:rPr lang="de-DE"/>
               <a:t>Formatvorlagen des Textmasters bearbeiten</a:t>
             </a:r>
           </a:p>
           <a:p>
             <a:pPr lvl="1"/>
             <a:r>
-              <a:rPr lang="de-DE" smtClean="0"/>
+              <a:rPr lang="de-DE"/>
               <a:t>Zweite Ebene</a:t>
             </a:r>
           </a:p>
           <a:p>
             <a:pPr lvl="2"/>
             <a:r>
-              <a:rPr lang="de-DE" smtClean="0"/>
+              <a:rPr lang="de-DE"/>
               <a:t>Dritte Ebene</a:t>
             </a:r>
           </a:p>
           <a:p>
             <a:pPr lvl="3"/>
             <a:r>
-              <a:rPr lang="de-DE" smtClean="0"/>
+              <a:rPr lang="de-DE"/>
               <a:t>Vierte Ebene</a:t>
             </a:r>
           </a:p>
           <a:p>
             <a:pPr lvl="4"/>
             <a:r>
-              <a:rPr lang="de-DE" smtClean="0"/>
+              <a:rPr lang="de-DE"/>
               <a:t>Fünfte Ebene</a:t>
             </a:r>
             <a:endParaRPr lang="en-US" dirty="0"/>
@@ -3469,7 +3467,7 @@
           <a:p>
             <a:fld id="{FC9269F9-6F79-4414-A84E-D81C6C443C37}" type="datetimeFigureOut">
               <a:rPr lang="de-DE" smtClean="0"/>
-              <a:t>09.01.2019</a:t>
+              <a:t>06.12.2019</a:t>
             </a:fld>
             <a:endParaRPr lang="de-DE"/>
           </a:p>
@@ -3572,13 +3570,6 @@
     <p:sldLayoutId id="2147483674" r:id="rId7"/>
     <p:sldLayoutId id="2147483676" r:id="rId8"/>
   </p:sldLayoutIdLst>
-  <p:timing>
-    <p:tnLst>
-      <p:par>
-        <p:cTn id="1" dur="indefinite" restart="never" nodeType="tmRoot"/>
-      </p:par>
-    </p:tnLst>
-  </p:timing>
   <p:txStyles>
     <p:titleStyle>
       <a:lvl1pPr algn="l" defTabSz="685800" rtl="0" eaLnBrk="1" latinLnBrk="0" hangingPunct="1">
@@ -3895,10 +3886,9 @@
           <a:lstStyle/>
           <a:p>
             <a:r>
-              <a:rPr lang="de-DE" dirty="0" smtClean="0"/>
+              <a:rPr lang="de-DE" dirty="0"/>
               <a:t>Fliegender Ball</a:t>
             </a:r>
-            <a:endParaRPr lang="de-DE" dirty="0"/>
           </a:p>
         </p:txBody>
       </p:sp>
@@ -3921,47 +3911,30 @@
           <a:p>
             <a:r>
               <a:rPr lang="de-DE" dirty="0"/>
-              <a:t>Entwickle eine </a:t>
-            </a:r>
-            <a:r>
-              <a:rPr lang="de-DE" dirty="0" smtClean="0"/>
-              <a:t>Steuerung, damit </a:t>
-            </a:r>
+              <a:t>Entwickle eine Steuerung, damit der Ball auf einer konstanten Höhe schwebt.</a:t>
+            </a:r>
+          </a:p>
+        </p:txBody>
+      </p:sp>
+      <p:sp>
+        <p:nvSpPr>
+          <p:cNvPr id="5" name="Textplatzhalter 4"/>
+          <p:cNvSpPr>
+            <a:spLocks noGrp="1"/>
+          </p:cNvSpPr>
+          <p:nvPr>
+            <p:ph type="body" sz="quarter" idx="15"/>
+          </p:nvPr>
+        </p:nvSpPr>
+        <p:spPr/>
+        <p:txBody>
+          <a:bodyPr/>
+          <a:lstStyle/>
+          <a:p>
             <a:r>
               <a:rPr lang="de-DE" dirty="0"/>
-              <a:t>der Ball auf einer </a:t>
-            </a:r>
-            <a:r>
-              <a:rPr lang="de-DE" dirty="0" smtClean="0"/>
-              <a:t>konstanten Höhe schwebt</a:t>
-            </a:r>
-            <a:r>
-              <a:rPr lang="de-DE" dirty="0"/>
-              <a:t>.</a:t>
-            </a:r>
-          </a:p>
-        </p:txBody>
-      </p:sp>
-      <p:sp>
-        <p:nvSpPr>
-          <p:cNvPr id="5" name="Textplatzhalter 4"/>
-          <p:cNvSpPr>
-            <a:spLocks noGrp="1"/>
-          </p:cNvSpPr>
-          <p:nvPr>
-            <p:ph type="body" sz="quarter" idx="15"/>
-          </p:nvPr>
-        </p:nvSpPr>
-        <p:spPr/>
-        <p:txBody>
-          <a:bodyPr/>
-          <a:lstStyle/>
-          <a:p>
-            <a:r>
-              <a:rPr lang="de-DE" dirty="0" smtClean="0"/>
               <a:t>Für Fortgeschrittene</a:t>
             </a:r>
-            <a:endParaRPr lang="de-DE" dirty="0"/>
           </a:p>
         </p:txBody>
       </p:sp>
@@ -4024,13 +3997,6 @@
   <p:clrMapOvr>
     <a:masterClrMapping/>
   </p:clrMapOvr>
-  <p:timing>
-    <p:tnLst>
-      <p:par>
-        <p:cTn id="1" dur="indefinite" restart="never" nodeType="tmRoot"/>
-      </p:par>
-    </p:tnLst>
-  </p:timing>
 </p:sld>
 </file>
 

--- a/Fliegender_Ball/fliegender_Ball.pptx
+++ b/Fliegender_Ball/fliegender_Ball.pptx
@@ -201,7 +201,7 @@
           <a:p>
             <a:fld id="{DD7A25D8-F173-4133-85F8-CB962D678EB5}" type="datetimeFigureOut">
               <a:rPr lang="de-DE" smtClean="0"/>
-              <a:t>06.12.2019</a:t>
+              <a:t>09.12.2019</a:t>
             </a:fld>
             <a:endParaRPr lang="de-DE"/>
           </a:p>
@@ -599,7 +599,7 @@
           <a:p>
             <a:fld id="{FC9269F9-6F79-4414-A84E-D81C6C443C37}" type="datetimeFigureOut">
               <a:rPr lang="de-DE" smtClean="0"/>
-              <a:t>06.12.2019</a:t>
+              <a:t>09.12.2019</a:t>
             </a:fld>
             <a:endParaRPr lang="de-DE"/>
           </a:p>
@@ -1181,7 +1181,13 @@
       </p:sp>
       <p:pic>
         <p:nvPicPr>
-          <p:cNvPr id="23" name="Grafik 22"/>
+          <p:cNvPr id="28" name="Grafik 27">
+            <a:extLst>
+              <a:ext uri="{FF2B5EF4-FFF2-40B4-BE49-F238E27FC236}">
+                <a16:creationId xmlns:a16="http://schemas.microsoft.com/office/drawing/2014/main" id="{1EB2EC19-9118-4D10-AD08-CCC971C91CB1}"/>
+              </a:ext>
+            </a:extLst>
+          </p:cNvPr>
           <p:cNvPicPr>
             <a:picLocks noChangeAspect="1"/>
           </p:cNvPicPr>
@@ -1211,7 +1217,13 @@
       </p:pic>
       <p:pic>
         <p:nvPicPr>
-          <p:cNvPr id="25" name="Grafik 24"/>
+          <p:cNvPr id="29" name="Grafik 28">
+            <a:extLst>
+              <a:ext uri="{FF2B5EF4-FFF2-40B4-BE49-F238E27FC236}">
+                <a16:creationId xmlns:a16="http://schemas.microsoft.com/office/drawing/2014/main" id="{3ACFC716-3BF6-44A6-9D20-4A4698634A4F}"/>
+              </a:ext>
+            </a:extLst>
+          </p:cNvPr>
           <p:cNvPicPr>
             <a:picLocks noChangeAspect="1"/>
           </p:cNvPicPr>
@@ -1240,10 +1252,10 @@
       </p:pic>
       <p:pic>
         <p:nvPicPr>
-          <p:cNvPr id="27" name="Grafik 26">
+          <p:cNvPr id="30" name="Grafik 29">
             <a:extLst>
               <a:ext uri="{FF2B5EF4-FFF2-40B4-BE49-F238E27FC236}">
-                <a16:creationId xmlns:a16="http://schemas.microsoft.com/office/drawing/2014/main" id="{BEEFA43F-6A29-46D3-8690-B32ACC180D21}"/>
+                <a16:creationId xmlns:a16="http://schemas.microsoft.com/office/drawing/2014/main" id="{8F3FC818-8F97-4B1A-A233-A5DA63FA6903}"/>
               </a:ext>
             </a:extLst>
           </p:cNvPr>
@@ -1268,6 +1280,42 @@
           <a:xfrm>
             <a:off x="2074069" y="9099550"/>
             <a:ext cx="381000" cy="571500"/>
+          </a:xfrm>
+          <a:prstGeom prst="rect">
+            <a:avLst/>
+          </a:prstGeom>
+        </p:spPr>
+      </p:pic>
+      <p:pic>
+        <p:nvPicPr>
+          <p:cNvPr id="31" name="Grafik 30">
+            <a:extLst>
+              <a:ext uri="{FF2B5EF4-FFF2-40B4-BE49-F238E27FC236}">
+                <a16:creationId xmlns:a16="http://schemas.microsoft.com/office/drawing/2014/main" id="{DED0EE0B-B7D8-4364-87D4-62E288B77315}"/>
+              </a:ext>
+            </a:extLst>
+          </p:cNvPr>
+          <p:cNvPicPr>
+            <a:picLocks noChangeAspect="1"/>
+          </p:cNvPicPr>
+          <p:nvPr userDrawn="1"/>
+        </p:nvPicPr>
+        <p:blipFill>
+          <a:blip r:embed="rId5" cstate="print">
+            <a:extLst>
+              <a:ext uri="{28A0092B-C50C-407E-A947-70E740481C1C}">
+                <a14:useLocalDpi xmlns:a14="http://schemas.microsoft.com/office/drawing/2010/main" val="0"/>
+              </a:ext>
+            </a:extLst>
+          </a:blip>
+          <a:stretch>
+            <a:fillRect/>
+          </a:stretch>
+        </p:blipFill>
+        <p:spPr>
+          <a:xfrm>
+            <a:off x="3590172" y="8960427"/>
+            <a:ext cx="911392" cy="911392"/>
           </a:xfrm>
           <a:prstGeom prst="rect">
             <a:avLst/>
@@ -1676,6 +1724,78 @@
           </a:prstGeom>
         </p:spPr>
       </p:pic>
+      <p:pic>
+        <p:nvPicPr>
+          <p:cNvPr id="20" name="Grafik 19">
+            <a:extLst>
+              <a:ext uri="{FF2B5EF4-FFF2-40B4-BE49-F238E27FC236}">
+                <a16:creationId xmlns:a16="http://schemas.microsoft.com/office/drawing/2014/main" id="{6D54FB08-0588-492D-91D4-489C5B5D044F}"/>
+              </a:ext>
+            </a:extLst>
+          </p:cNvPr>
+          <p:cNvPicPr>
+            <a:picLocks noChangeAspect="1"/>
+          </p:cNvPicPr>
+          <p:nvPr userDrawn="1"/>
+        </p:nvPicPr>
+        <p:blipFill>
+          <a:blip r:embed="rId4" cstate="print">
+            <a:extLst>
+              <a:ext uri="{28A0092B-C50C-407E-A947-70E740481C1C}">
+                <a14:useLocalDpi xmlns:a14="http://schemas.microsoft.com/office/drawing/2010/main" val="0"/>
+              </a:ext>
+            </a:extLst>
+          </a:blip>
+          <a:stretch>
+            <a:fillRect/>
+          </a:stretch>
+        </p:blipFill>
+        <p:spPr>
+          <a:xfrm>
+            <a:off x="3590172" y="8960427"/>
+            <a:ext cx="911392" cy="911392"/>
+          </a:xfrm>
+          <a:prstGeom prst="rect">
+            <a:avLst/>
+          </a:prstGeom>
+        </p:spPr>
+      </p:pic>
+      <p:pic>
+        <p:nvPicPr>
+          <p:cNvPr id="21" name="Grafik 20">
+            <a:extLst>
+              <a:ext uri="{FF2B5EF4-FFF2-40B4-BE49-F238E27FC236}">
+                <a16:creationId xmlns:a16="http://schemas.microsoft.com/office/drawing/2014/main" id="{D5B17CE4-56D5-4986-A289-8FA026C93268}"/>
+              </a:ext>
+            </a:extLst>
+          </p:cNvPr>
+          <p:cNvPicPr>
+            <a:picLocks noChangeAspect="1"/>
+          </p:cNvPicPr>
+          <p:nvPr userDrawn="1"/>
+        </p:nvPicPr>
+        <p:blipFill>
+          <a:blip r:embed="rId5" cstate="print">
+            <a:extLst>
+              <a:ext uri="{28A0092B-C50C-407E-A947-70E740481C1C}">
+                <a14:useLocalDpi xmlns:a14="http://schemas.microsoft.com/office/drawing/2010/main" val="0"/>
+              </a:ext>
+            </a:extLst>
+          </a:blip>
+          <a:stretch>
+            <a:fillRect/>
+          </a:stretch>
+        </p:blipFill>
+        <p:spPr>
+          <a:xfrm>
+            <a:off x="2074069" y="9099550"/>
+            <a:ext cx="381000" cy="571500"/>
+          </a:xfrm>
+          <a:prstGeom prst="rect">
+            <a:avLst/>
+          </a:prstGeom>
+        </p:spPr>
+      </p:pic>
     </p:spTree>
     <p:extLst>
       <p:ext uri="{BB962C8B-B14F-4D97-AF65-F5344CB8AC3E}">
@@ -1758,7 +1878,7 @@
           <a:p>
             <a:fld id="{FC9269F9-6F79-4414-A84E-D81C6C443C37}" type="datetimeFigureOut">
               <a:rPr lang="de-DE" smtClean="0"/>
-              <a:t>06.12.2019</a:t>
+              <a:t>09.12.2019</a:t>
             </a:fld>
             <a:endParaRPr lang="de-DE"/>
           </a:p>
@@ -2083,39 +2203,6 @@
           <a:lstStyle/>
           <a:p>
             <a:endParaRPr lang="de-DE"/>
-          </a:p>
-        </p:txBody>
-      </p:sp>
-      <p:sp>
-        <p:nvSpPr>
-          <p:cNvPr id="15" name="Textfeld 14"/>
-          <p:cNvSpPr txBox="1"/>
-          <p:nvPr userDrawn="1"/>
-        </p:nvSpPr>
-        <p:spPr>
-          <a:xfrm>
-            <a:off x="2033534" y="9314293"/>
-            <a:ext cx="2449033" cy="261610"/>
-          </a:xfrm>
-          <a:prstGeom prst="rect">
-            <a:avLst/>
-          </a:prstGeom>
-          <a:noFill/>
-        </p:spPr>
-        <p:txBody>
-          <a:bodyPr wrap="square" rtlCol="0">
-            <a:spAutoFit/>
-          </a:bodyPr>
-          <a:lstStyle/>
-          <a:p>
-            <a:pPr algn="ctr"/>
-            <a:r>
-              <a:rPr lang="de-DE" sz="1100" dirty="0">
-                <a:hlinkClick r:id="rId2"/>
-              </a:rPr>
-              <a:t>https://www.htw-dresden.de/kiss-mint</a:t>
-            </a:r>
-            <a:endParaRPr lang="de-DE" sz="1100" dirty="0"/>
           </a:p>
         </p:txBody>
       </p:sp>
@@ -2199,7 +2286,7 @@
           <a:p>
             <a:fld id="{FC9269F9-6F79-4414-A84E-D81C6C443C37}" type="datetimeFigureOut">
               <a:rPr lang="de-DE" smtClean="0"/>
-              <a:t>06.12.2019</a:t>
+              <a:t>09.12.2019</a:t>
             </a:fld>
             <a:endParaRPr lang="de-DE"/>
           </a:p>
@@ -2315,39 +2402,6 @@
               <a:rPr lang="de-DE" dirty="0"/>
               <a:t>Formatvorlagen des Textmasters bearbeiten</a:t>
             </a:r>
-          </a:p>
-        </p:txBody>
-      </p:sp>
-      <p:sp>
-        <p:nvSpPr>
-          <p:cNvPr id="9" name="Textfeld 8"/>
-          <p:cNvSpPr txBox="1"/>
-          <p:nvPr userDrawn="1"/>
-        </p:nvSpPr>
-        <p:spPr>
-          <a:xfrm>
-            <a:off x="2033534" y="9314293"/>
-            <a:ext cx="2449033" cy="261610"/>
-          </a:xfrm>
-          <a:prstGeom prst="rect">
-            <a:avLst/>
-          </a:prstGeom>
-          <a:noFill/>
-        </p:spPr>
-        <p:txBody>
-          <a:bodyPr wrap="square" rtlCol="0">
-            <a:spAutoFit/>
-          </a:bodyPr>
-          <a:lstStyle/>
-          <a:p>
-            <a:pPr algn="ctr"/>
-            <a:r>
-              <a:rPr lang="de-DE" sz="1100" dirty="0">
-                <a:hlinkClick r:id="rId2"/>
-              </a:rPr>
-              <a:t>https://www.htw-dresden.de/kiss-mint</a:t>
-            </a:r>
-            <a:endParaRPr lang="de-DE" sz="1100" dirty="0"/>
           </a:p>
         </p:txBody>
       </p:sp>
@@ -2577,36 +2631,6 @@
           </a:fontRef>
         </p:style>
       </p:cxnSp>
-      <p:pic>
-        <p:nvPicPr>
-          <p:cNvPr id="18" name="Grafik 17"/>
-          <p:cNvPicPr>
-            <a:picLocks noChangeAspect="1"/>
-          </p:cNvPicPr>
-          <p:nvPr userDrawn="1"/>
-        </p:nvPicPr>
-        <p:blipFill>
-          <a:blip r:embed="rId2" cstate="print">
-            <a:extLst>
-              <a:ext uri="{28A0092B-C50C-407E-A947-70E740481C1C}">
-                <a14:useLocalDpi xmlns:a14="http://schemas.microsoft.com/office/drawing/2010/main" val="0"/>
-              </a:ext>
-            </a:extLst>
-          </a:blip>
-          <a:stretch>
-            <a:fillRect/>
-          </a:stretch>
-        </p:blipFill>
-        <p:spPr>
-          <a:xfrm>
-            <a:off x="4501564" y="9267750"/>
-            <a:ext cx="1884949" cy="324000"/>
-          </a:xfrm>
-          <a:prstGeom prst="rect">
-            <a:avLst/>
-          </a:prstGeom>
-        </p:spPr>
-      </p:pic>
       <p:sp>
         <p:nvSpPr>
           <p:cNvPr id="3" name="Rechteck 2"/>
@@ -2700,6 +2724,47 @@
       <p:pic>
         <p:nvPicPr>
           <p:cNvPr id="1027" name="Picture 3" descr="https://creativecommons.org/images/deed/attribution_icon_white_x2.png"/>
+          <p:cNvPicPr>
+            <a:picLocks noChangeAspect="1" noChangeArrowheads="1"/>
+          </p:cNvPicPr>
+          <p:nvPr userDrawn="1"/>
+        </p:nvPicPr>
+        <p:blipFill>
+          <a:blip r:embed="rId2">
+            <a:extLst>
+              <a:ext uri="{28A0092B-C50C-407E-A947-70E740481C1C}">
+                <a14:useLocalDpi xmlns:a14="http://schemas.microsoft.com/office/drawing/2010/main" val="0"/>
+              </a:ext>
+            </a:extLst>
+          </a:blip>
+          <a:srcRect/>
+          <a:stretch>
+            <a:fillRect/>
+          </a:stretch>
+        </p:blipFill>
+        <p:spPr bwMode="auto">
+          <a:xfrm>
+            <a:off x="3053968" y="7229447"/>
+            <a:ext cx="777865" cy="777865"/>
+          </a:xfrm>
+          <a:prstGeom prst="rect">
+            <a:avLst/>
+          </a:prstGeom>
+          <a:noFill/>
+          <a:extLst>
+            <a:ext uri="{909E8E84-426E-40DD-AFC4-6F175D3DCCD1}">
+              <a14:hiddenFill xmlns:a14="http://schemas.microsoft.com/office/drawing/2010/main">
+                <a:solidFill>
+                  <a:srgbClr val="FFFFFF"/>
+                </a:solidFill>
+              </a14:hiddenFill>
+            </a:ext>
+          </a:extLst>
+        </p:spPr>
+      </p:pic>
+      <p:pic>
+        <p:nvPicPr>
+          <p:cNvPr id="1028" name="Picture 4" descr="https://creativecommons.org/images/deed/sa_white_x2.png"/>
           <p:cNvPicPr>
             <a:picLocks noChangeAspect="1" noChangeArrowheads="1"/>
           </p:cNvPicPr>
@@ -2720,8 +2785,8 @@
         </p:blipFill>
         <p:spPr bwMode="auto">
           <a:xfrm>
-            <a:off x="3053968" y="7229447"/>
-            <a:ext cx="777865" cy="777865"/>
+            <a:off x="3837858" y="7231116"/>
+            <a:ext cx="784138" cy="784138"/>
           </a:xfrm>
           <a:prstGeom prst="rect">
             <a:avLst/>
@@ -2740,7 +2805,7 @@
       </p:pic>
       <p:pic>
         <p:nvPicPr>
-          <p:cNvPr id="1028" name="Picture 4" descr="https://creativecommons.org/images/deed/sa_white_x2.png"/>
+          <p:cNvPr id="1026" name="Picture 2" descr="cc logo"/>
           <p:cNvPicPr>
             <a:picLocks noChangeAspect="1" noChangeArrowheads="1"/>
           </p:cNvPicPr>
@@ -2761,47 +2826,6 @@
         </p:blipFill>
         <p:spPr bwMode="auto">
           <a:xfrm>
-            <a:off x="3837858" y="7231116"/>
-            <a:ext cx="784138" cy="784138"/>
-          </a:xfrm>
-          <a:prstGeom prst="rect">
-            <a:avLst/>
-          </a:prstGeom>
-          <a:noFill/>
-          <a:extLst>
-            <a:ext uri="{909E8E84-426E-40DD-AFC4-6F175D3DCCD1}">
-              <a14:hiddenFill xmlns:a14="http://schemas.microsoft.com/office/drawing/2010/main">
-                <a:solidFill>
-                  <a:srgbClr val="FFFFFF"/>
-                </a:solidFill>
-              </a14:hiddenFill>
-            </a:ext>
-          </a:extLst>
-        </p:spPr>
-      </p:pic>
-      <p:pic>
-        <p:nvPicPr>
-          <p:cNvPr id="1026" name="Picture 2" descr="cc logo"/>
-          <p:cNvPicPr>
-            <a:picLocks noChangeAspect="1" noChangeArrowheads="1"/>
-          </p:cNvPicPr>
-          <p:nvPr userDrawn="1"/>
-        </p:nvPicPr>
-        <p:blipFill>
-          <a:blip r:embed="rId5">
-            <a:extLst>
-              <a:ext uri="{28A0092B-C50C-407E-A947-70E740481C1C}">
-                <a14:useLocalDpi xmlns:a14="http://schemas.microsoft.com/office/drawing/2010/main" val="0"/>
-              </a:ext>
-            </a:extLst>
-          </a:blip>
-          <a:srcRect/>
-          <a:stretch>
-            <a:fillRect/>
-          </a:stretch>
-        </p:blipFill>
-        <p:spPr bwMode="auto">
-          <a:xfrm>
             <a:off x="2276103" y="7237389"/>
             <a:ext cx="777865" cy="777865"/>
           </a:xfrm>
@@ -2888,7 +2912,49 @@
       </p:sp>
       <p:pic>
         <p:nvPicPr>
-          <p:cNvPr id="19" name="Grafik 18"/>
+          <p:cNvPr id="20" name="Grafik 19">
+            <a:extLst>
+              <a:ext uri="{FF2B5EF4-FFF2-40B4-BE49-F238E27FC236}">
+                <a16:creationId xmlns:a16="http://schemas.microsoft.com/office/drawing/2014/main" id="{03FBF392-4F5C-40EE-AA9F-E1B7E7DB8DD5}"/>
+              </a:ext>
+            </a:extLst>
+          </p:cNvPr>
+          <p:cNvPicPr>
+            <a:picLocks noChangeAspect="1"/>
+          </p:cNvPicPr>
+          <p:nvPr userDrawn="1"/>
+        </p:nvPicPr>
+        <p:blipFill>
+          <a:blip r:embed="rId5" cstate="print">
+            <a:extLst>
+              <a:ext uri="{28A0092B-C50C-407E-A947-70E740481C1C}">
+                <a14:useLocalDpi xmlns:a14="http://schemas.microsoft.com/office/drawing/2010/main" val="0"/>
+              </a:ext>
+            </a:extLst>
+          </a:blip>
+          <a:stretch>
+            <a:fillRect/>
+          </a:stretch>
+        </p:blipFill>
+        <p:spPr>
+          <a:xfrm>
+            <a:off x="4501564" y="9267750"/>
+            <a:ext cx="1884949" cy="324000"/>
+          </a:xfrm>
+          <a:prstGeom prst="rect">
+            <a:avLst/>
+          </a:prstGeom>
+        </p:spPr>
+      </p:pic>
+      <p:pic>
+        <p:nvPicPr>
+          <p:cNvPr id="21" name="Grafik 20">
+            <a:extLst>
+              <a:ext uri="{FF2B5EF4-FFF2-40B4-BE49-F238E27FC236}">
+                <a16:creationId xmlns:a16="http://schemas.microsoft.com/office/drawing/2014/main" id="{08986072-34FF-4CAE-B4CB-577BC82F3F78}"/>
+              </a:ext>
+            </a:extLst>
+          </p:cNvPr>
           <p:cNvPicPr>
             <a:picLocks noChangeAspect="1"/>
           </p:cNvPicPr>
@@ -2917,10 +2983,10 @@
       </p:pic>
       <p:pic>
         <p:nvPicPr>
-          <p:cNvPr id="15" name="Grafik 14">
+          <p:cNvPr id="22" name="Grafik 21">
             <a:extLst>
               <a:ext uri="{FF2B5EF4-FFF2-40B4-BE49-F238E27FC236}">
-                <a16:creationId xmlns:a16="http://schemas.microsoft.com/office/drawing/2014/main" id="{B6FA7BB0-861A-4096-B589-F58BE15B1D82}"/>
+                <a16:creationId xmlns:a16="http://schemas.microsoft.com/office/drawing/2014/main" id="{500098B2-0EFA-403D-B536-3818CFC9559F}"/>
               </a:ext>
             </a:extLst>
           </p:cNvPr>
@@ -2945,6 +3011,42 @@
           <a:xfrm>
             <a:off x="2074069" y="9099550"/>
             <a:ext cx="381000" cy="571500"/>
+          </a:xfrm>
+          <a:prstGeom prst="rect">
+            <a:avLst/>
+          </a:prstGeom>
+        </p:spPr>
+      </p:pic>
+      <p:pic>
+        <p:nvPicPr>
+          <p:cNvPr id="24" name="Grafik 23">
+            <a:extLst>
+              <a:ext uri="{FF2B5EF4-FFF2-40B4-BE49-F238E27FC236}">
+                <a16:creationId xmlns:a16="http://schemas.microsoft.com/office/drawing/2014/main" id="{7516E3EB-A45D-42A3-9BA2-31395E3CFBA6}"/>
+              </a:ext>
+            </a:extLst>
+          </p:cNvPr>
+          <p:cNvPicPr>
+            <a:picLocks noChangeAspect="1"/>
+          </p:cNvPicPr>
+          <p:nvPr userDrawn="1"/>
+        </p:nvPicPr>
+        <p:blipFill>
+          <a:blip r:embed="rId8" cstate="print">
+            <a:extLst>
+              <a:ext uri="{28A0092B-C50C-407E-A947-70E740481C1C}">
+                <a14:useLocalDpi xmlns:a14="http://schemas.microsoft.com/office/drawing/2010/main" val="0"/>
+              </a:ext>
+            </a:extLst>
+          </a:blip>
+          <a:stretch>
+            <a:fillRect/>
+          </a:stretch>
+        </p:blipFill>
+        <p:spPr>
+          <a:xfrm>
+            <a:off x="3590172" y="8960427"/>
+            <a:ext cx="911392" cy="911392"/>
           </a:xfrm>
           <a:prstGeom prst="rect">
             <a:avLst/>
@@ -3031,7 +3133,7 @@
           <a:p>
             <a:fld id="{FC9269F9-6F79-4414-A84E-D81C6C443C37}" type="datetimeFigureOut">
               <a:rPr lang="de-DE" smtClean="0"/>
-              <a:t>06.12.2019</a:t>
+              <a:t>09.12.2019</a:t>
             </a:fld>
             <a:endParaRPr lang="de-DE"/>
           </a:p>
@@ -3254,7 +3356,7 @@
           <a:p>
             <a:fld id="{FC9269F9-6F79-4414-A84E-D81C6C443C37}" type="datetimeFigureOut">
               <a:rPr lang="de-DE" smtClean="0"/>
-              <a:t>06.12.2019</a:t>
+              <a:t>09.12.2019</a:t>
             </a:fld>
             <a:endParaRPr lang="de-DE"/>
           </a:p>
@@ -3467,7 +3569,7 @@
           <a:p>
             <a:fld id="{FC9269F9-6F79-4414-A84E-D81C6C443C37}" type="datetimeFigureOut">
               <a:rPr lang="de-DE" smtClean="0"/>
-              <a:t>06.12.2019</a:t>
+              <a:t>09.12.2019</a:t>
             </a:fld>
             <a:endParaRPr lang="de-DE"/>
           </a:p>
@@ -3552,6 +3654,149 @@
           </a:p>
         </p:txBody>
       </p:sp>
+      <p:pic>
+        <p:nvPicPr>
+          <p:cNvPr id="7" name="Grafik 6">
+            <a:extLst>
+              <a:ext uri="{FF2B5EF4-FFF2-40B4-BE49-F238E27FC236}">
+                <a16:creationId xmlns:a16="http://schemas.microsoft.com/office/drawing/2014/main" id="{34E7B519-9015-4888-A102-0F265B487B65}"/>
+              </a:ext>
+            </a:extLst>
+          </p:cNvPr>
+          <p:cNvPicPr>
+            <a:picLocks noChangeAspect="1"/>
+          </p:cNvPicPr>
+          <p:nvPr userDrawn="1"/>
+        </p:nvPicPr>
+        <p:blipFill>
+          <a:blip r:embed="rId10" cstate="print">
+            <a:extLst>
+              <a:ext uri="{28A0092B-C50C-407E-A947-70E740481C1C}">
+                <a14:useLocalDpi xmlns:a14="http://schemas.microsoft.com/office/drawing/2010/main" val="0"/>
+              </a:ext>
+            </a:extLst>
+          </a:blip>
+          <a:stretch>
+            <a:fillRect/>
+          </a:stretch>
+        </p:blipFill>
+        <p:spPr>
+          <a:xfrm>
+            <a:off x="4501564" y="9267750"/>
+            <a:ext cx="1884949" cy="324000"/>
+          </a:xfrm>
+          <a:prstGeom prst="rect">
+            <a:avLst/>
+          </a:prstGeom>
+        </p:spPr>
+      </p:pic>
+      <p:pic>
+        <p:nvPicPr>
+          <p:cNvPr id="8" name="Grafik 7">
+            <a:extLst>
+              <a:ext uri="{FF2B5EF4-FFF2-40B4-BE49-F238E27FC236}">
+                <a16:creationId xmlns:a16="http://schemas.microsoft.com/office/drawing/2014/main" id="{B9BC82BE-3459-4D54-BA8D-19296277FBD0}"/>
+              </a:ext>
+            </a:extLst>
+          </p:cNvPr>
+          <p:cNvPicPr>
+            <a:picLocks noChangeAspect="1"/>
+          </p:cNvPicPr>
+          <p:nvPr userDrawn="1"/>
+        </p:nvPicPr>
+        <p:blipFill rotWithShape="1">
+          <a:blip r:embed="rId11" cstate="print">
+            <a:extLst>
+              <a:ext uri="{28A0092B-C50C-407E-A947-70E740481C1C}">
+                <a14:useLocalDpi xmlns:a14="http://schemas.microsoft.com/office/drawing/2010/main" val="0"/>
+              </a:ext>
+            </a:extLst>
+          </a:blip>
+          <a:srcRect t="15984" b="15885"/>
+          <a:stretch/>
+        </p:blipFill>
+        <p:spPr>
+          <a:xfrm>
+            <a:off x="471488" y="9224307"/>
+            <a:ext cx="1604044" cy="453441"/>
+          </a:xfrm>
+          <a:prstGeom prst="rect">
+            <a:avLst/>
+          </a:prstGeom>
+        </p:spPr>
+      </p:pic>
+      <p:pic>
+        <p:nvPicPr>
+          <p:cNvPr id="9" name="Grafik 8">
+            <a:extLst>
+              <a:ext uri="{FF2B5EF4-FFF2-40B4-BE49-F238E27FC236}">
+                <a16:creationId xmlns:a16="http://schemas.microsoft.com/office/drawing/2014/main" id="{24C1D67D-261C-43B0-A8C8-3071A4A784AA}"/>
+              </a:ext>
+            </a:extLst>
+          </p:cNvPr>
+          <p:cNvPicPr>
+            <a:picLocks noChangeAspect="1"/>
+          </p:cNvPicPr>
+          <p:nvPr userDrawn="1"/>
+        </p:nvPicPr>
+        <p:blipFill>
+          <a:blip r:embed="rId12" cstate="print">
+            <a:extLst>
+              <a:ext uri="{28A0092B-C50C-407E-A947-70E740481C1C}">
+                <a14:useLocalDpi xmlns:a14="http://schemas.microsoft.com/office/drawing/2010/main" val="0"/>
+              </a:ext>
+            </a:extLst>
+          </a:blip>
+          <a:stretch>
+            <a:fillRect/>
+          </a:stretch>
+        </p:blipFill>
+        <p:spPr>
+          <a:xfrm>
+            <a:off x="2074069" y="9099550"/>
+            <a:ext cx="381000" cy="571500"/>
+          </a:xfrm>
+          <a:prstGeom prst="rect">
+            <a:avLst/>
+          </a:prstGeom>
+        </p:spPr>
+      </p:pic>
+      <p:pic>
+        <p:nvPicPr>
+          <p:cNvPr id="10" name="Grafik 9">
+            <a:extLst>
+              <a:ext uri="{FF2B5EF4-FFF2-40B4-BE49-F238E27FC236}">
+                <a16:creationId xmlns:a16="http://schemas.microsoft.com/office/drawing/2014/main" id="{8BDAB291-8F88-4A04-BD6A-47589D5C483A}"/>
+              </a:ext>
+            </a:extLst>
+          </p:cNvPr>
+          <p:cNvPicPr>
+            <a:picLocks noChangeAspect="1"/>
+          </p:cNvPicPr>
+          <p:nvPr userDrawn="1"/>
+        </p:nvPicPr>
+        <p:blipFill>
+          <a:blip r:embed="rId13" cstate="print">
+            <a:extLst>
+              <a:ext uri="{28A0092B-C50C-407E-A947-70E740481C1C}">
+                <a14:useLocalDpi xmlns:a14="http://schemas.microsoft.com/office/drawing/2010/main" val="0"/>
+              </a:ext>
+            </a:extLst>
+          </a:blip>
+          <a:stretch>
+            <a:fillRect/>
+          </a:stretch>
+        </p:blipFill>
+        <p:spPr>
+          <a:xfrm>
+            <a:off x="3590172" y="8960427"/>
+            <a:ext cx="911392" cy="911392"/>
+          </a:xfrm>
+          <a:prstGeom prst="rect">
+            <a:avLst/>
+          </a:prstGeom>
+        </p:spPr>
+      </p:pic>
     </p:spTree>
     <p:extLst>
       <p:ext uri="{BB962C8B-B14F-4D97-AF65-F5344CB8AC3E}">
